--- a/M13-convex_hulls.pptx
+++ b/M13-convex_hulls.pptx
@@ -257,7 +257,7 @@
           <a:p>
             <a:fld id="{C787A165-4FDD-49E5-9F6D-D505BB88ABC6}" type="datetimeFigureOut">
               <a:rPr lang="en-US" smtClean="0"/>
-              <a:t>10/31/19</a:t>
+              <a:t>8/12/20</a:t>
             </a:fld>
             <a:endParaRPr lang="en-US"/>
           </a:p>
@@ -423,7 +423,7 @@
           <a:p>
             <a:fld id="{5D612DD9-5214-4F09-A917-0755DC49A4D5}" type="datetimeFigureOut">
               <a:rPr lang="en-US" smtClean="0"/>
-              <a:t>10/31/19</a:t>
+              <a:t>8/12/20</a:t>
             </a:fld>
             <a:endParaRPr lang="en-US"/>
           </a:p>
@@ -2201,213 +2201,6 @@
           </a:p>
         </p:txBody>
       </p:sp>
-      <p:sp>
-        <p:nvSpPr>
-          <p:cNvPr id="20" name="Subtitle 2">
-            <a:extLst>
-              <a:ext uri="{FF2B5EF4-FFF2-40B4-BE49-F238E27FC236}">
-                <a16:creationId xmlns:a16="http://schemas.microsoft.com/office/drawing/2014/main" id="{FEC5CEB5-FFF5-064D-9948-3644B345D677}"/>
-              </a:ext>
-            </a:extLst>
-          </p:cNvPr>
-          <p:cNvSpPr txBox="1">
-            <a:spLocks/>
-          </p:cNvSpPr>
-          <p:nvPr userDrawn="1"/>
-        </p:nvSpPr>
-        <p:spPr>
-          <a:xfrm>
-            <a:off x="749301" y="4836803"/>
-            <a:ext cx="7356107" cy="268597"/>
-          </a:xfrm>
-          <a:prstGeom prst="rect">
-            <a:avLst/>
-          </a:prstGeom>
-        </p:spPr>
-        <p:txBody>
-          <a:bodyPr vert="horz" lIns="91440" tIns="45720" rIns="91440" bIns="45720" rtlCol="0" anchor="ctr">
-            <a:normAutofit fontScale="92500" lnSpcReduction="10000"/>
-          </a:bodyPr>
-          <a:lstStyle>
-            <a:lvl1pPr marL="228588" indent="-228588" algn="l" defTabSz="914353" rtl="0" eaLnBrk="1" latinLnBrk="0" hangingPunct="1">
-              <a:lnSpc>
-                <a:spcPct val="90000"/>
-              </a:lnSpc>
-              <a:spcBef>
-                <a:spcPts val="1000"/>
-              </a:spcBef>
-              <a:buFont typeface="Arial" panose="020B0604020202020204" pitchFamily="34" charset="0"/>
-              <a:buChar char="•"/>
-              <a:defRPr sz="2800" kern="1200">
-                <a:solidFill>
-                  <a:schemeClr val="tx1"/>
-                </a:solidFill>
-                <a:latin typeface="Gill Sans MT" panose="020B0502020104020203" pitchFamily="34" charset="0"/>
-                <a:ea typeface="+mn-ea"/>
-                <a:cs typeface="+mn-cs"/>
-              </a:defRPr>
-            </a:lvl1pPr>
-            <a:lvl2pPr marL="685765" indent="-228588" algn="l" defTabSz="914353" rtl="0" eaLnBrk="1" latinLnBrk="0" hangingPunct="1">
-              <a:lnSpc>
-                <a:spcPct val="90000"/>
-              </a:lnSpc>
-              <a:spcBef>
-                <a:spcPts val="500"/>
-              </a:spcBef>
-              <a:buFont typeface="Arial" panose="020B0604020202020204" pitchFamily="34" charset="0"/>
-              <a:buChar char="•"/>
-              <a:defRPr sz="2400" kern="1200">
-                <a:solidFill>
-                  <a:schemeClr val="tx1"/>
-                </a:solidFill>
-                <a:latin typeface="Gill Sans MT" panose="020B0502020104020203" pitchFamily="34" charset="0"/>
-                <a:ea typeface="+mn-ea"/>
-                <a:cs typeface="+mn-cs"/>
-              </a:defRPr>
-            </a:lvl2pPr>
-            <a:lvl3pPr marL="1142942" indent="-228588" algn="l" defTabSz="914353" rtl="0" eaLnBrk="1" latinLnBrk="0" hangingPunct="1">
-              <a:lnSpc>
-                <a:spcPct val="90000"/>
-              </a:lnSpc>
-              <a:spcBef>
-                <a:spcPts val="500"/>
-              </a:spcBef>
-              <a:buFont typeface="Arial" panose="020B0604020202020204" pitchFamily="34" charset="0"/>
-              <a:buChar char="•"/>
-              <a:defRPr sz="2000" kern="1200">
-                <a:solidFill>
-                  <a:schemeClr val="tx1"/>
-                </a:solidFill>
-                <a:latin typeface="Gill Sans MT" panose="020B0502020104020203" pitchFamily="34" charset="0"/>
-                <a:ea typeface="+mn-ea"/>
-                <a:cs typeface="+mn-cs"/>
-              </a:defRPr>
-            </a:lvl3pPr>
-            <a:lvl4pPr marL="1600118" indent="-228588" algn="l" defTabSz="914353" rtl="0" eaLnBrk="1" latinLnBrk="0" hangingPunct="1">
-              <a:lnSpc>
-                <a:spcPct val="90000"/>
-              </a:lnSpc>
-              <a:spcBef>
-                <a:spcPts val="500"/>
-              </a:spcBef>
-              <a:buFont typeface="Arial" panose="020B0604020202020204" pitchFamily="34" charset="0"/>
-              <a:buChar char="•"/>
-              <a:defRPr sz="1800" kern="1200">
-                <a:solidFill>
-                  <a:schemeClr val="tx1"/>
-                </a:solidFill>
-                <a:latin typeface="Gill Sans MT" panose="020B0502020104020203" pitchFamily="34" charset="0"/>
-                <a:ea typeface="+mn-ea"/>
-                <a:cs typeface="+mn-cs"/>
-              </a:defRPr>
-            </a:lvl4pPr>
-            <a:lvl5pPr marL="2057295" indent="-228588" algn="l" defTabSz="914353" rtl="0" eaLnBrk="1" latinLnBrk="0" hangingPunct="1">
-              <a:lnSpc>
-                <a:spcPct val="90000"/>
-              </a:lnSpc>
-              <a:spcBef>
-                <a:spcPts val="500"/>
-              </a:spcBef>
-              <a:buFont typeface="Arial" panose="020B0604020202020204" pitchFamily="34" charset="0"/>
-              <a:buChar char="•"/>
-              <a:defRPr sz="1800" kern="1200">
-                <a:solidFill>
-                  <a:schemeClr val="tx1"/>
-                </a:solidFill>
-                <a:latin typeface="Gill Sans MT" panose="020B0502020104020203" pitchFamily="34" charset="0"/>
-                <a:ea typeface="+mn-ea"/>
-                <a:cs typeface="+mn-cs"/>
-              </a:defRPr>
-            </a:lvl5pPr>
-            <a:lvl6pPr marL="2514471" indent="-228588" algn="l" defTabSz="914353" rtl="0" eaLnBrk="1" latinLnBrk="0" hangingPunct="1">
-              <a:lnSpc>
-                <a:spcPct val="90000"/>
-              </a:lnSpc>
-              <a:spcBef>
-                <a:spcPts val="500"/>
-              </a:spcBef>
-              <a:buFont typeface="Arial" panose="020B0604020202020204" pitchFamily="34" charset="0"/>
-              <a:buChar char="•"/>
-              <a:defRPr sz="1800" kern="1200">
-                <a:solidFill>
-                  <a:schemeClr val="tx1"/>
-                </a:solidFill>
-                <a:latin typeface="+mn-lt"/>
-                <a:ea typeface="+mn-ea"/>
-                <a:cs typeface="+mn-cs"/>
-              </a:defRPr>
-            </a:lvl6pPr>
-            <a:lvl7pPr marL="2971648" indent="-228588" algn="l" defTabSz="914353" rtl="0" eaLnBrk="1" latinLnBrk="0" hangingPunct="1">
-              <a:lnSpc>
-                <a:spcPct val="90000"/>
-              </a:lnSpc>
-              <a:spcBef>
-                <a:spcPts val="500"/>
-              </a:spcBef>
-              <a:buFont typeface="Arial" panose="020B0604020202020204" pitchFamily="34" charset="0"/>
-              <a:buChar char="•"/>
-              <a:defRPr sz="1800" kern="1200">
-                <a:solidFill>
-                  <a:schemeClr val="tx1"/>
-                </a:solidFill>
-                <a:latin typeface="+mn-lt"/>
-                <a:ea typeface="+mn-ea"/>
-                <a:cs typeface="+mn-cs"/>
-              </a:defRPr>
-            </a:lvl7pPr>
-            <a:lvl8pPr marL="3428825" indent="-228588" algn="l" defTabSz="914353" rtl="0" eaLnBrk="1" latinLnBrk="0" hangingPunct="1">
-              <a:lnSpc>
-                <a:spcPct val="90000"/>
-              </a:lnSpc>
-              <a:spcBef>
-                <a:spcPts val="500"/>
-              </a:spcBef>
-              <a:buFont typeface="Arial" panose="020B0604020202020204" pitchFamily="34" charset="0"/>
-              <a:buChar char="•"/>
-              <a:defRPr sz="1800" kern="1200">
-                <a:solidFill>
-                  <a:schemeClr val="tx1"/>
-                </a:solidFill>
-                <a:latin typeface="+mn-lt"/>
-                <a:ea typeface="+mn-ea"/>
-                <a:cs typeface="+mn-cs"/>
-              </a:defRPr>
-            </a:lvl8pPr>
-            <a:lvl9pPr marL="3886001" indent="-228588" algn="l" defTabSz="914353" rtl="0" eaLnBrk="1" latinLnBrk="0" hangingPunct="1">
-              <a:lnSpc>
-                <a:spcPct val="90000"/>
-              </a:lnSpc>
-              <a:spcBef>
-                <a:spcPts val="500"/>
-              </a:spcBef>
-              <a:buFont typeface="Arial" panose="020B0604020202020204" pitchFamily="34" charset="0"/>
-              <a:buChar char="•"/>
-              <a:defRPr sz="1800" kern="1200">
-                <a:solidFill>
-                  <a:schemeClr val="tx1"/>
-                </a:solidFill>
-                <a:latin typeface="+mn-lt"/>
-                <a:ea typeface="+mn-ea"/>
-                <a:cs typeface="+mn-cs"/>
-              </a:defRPr>
-            </a:lvl9pPr>
-          </a:lstStyle>
-          <a:p>
-            <a:pPr marL="0" indent="0">
-              <a:buNone/>
-            </a:pPr>
-            <a:r>
-              <a:rPr lang="en-US" sz="1400" kern="0" baseline="0" dirty="0"/>
-              <a:t>Some slides from Valentina </a:t>
-            </a:r>
-            <a:r>
-              <a:rPr lang="en-US" sz="1400" kern="0" baseline="0" dirty="0" err="1"/>
-              <a:t>Korzhova</a:t>
-            </a:r>
-            <a:endParaRPr lang="en-US" sz="1400" kern="0" baseline="0" dirty="0"/>
-          </a:p>
-        </p:txBody>
-      </p:sp>
     </p:spTree>
     <p:extLst>
       <p:ext uri="{BB962C8B-B14F-4D97-AF65-F5344CB8AC3E}">
@@ -7961,7 +7754,7 @@
           <a:p>
             <a:fld id="{6E39BF48-6E0A-4E37-BB05-8DF70571673D}" type="datetimeFigureOut">
               <a:rPr lang="en-US" smtClean="0"/>
-              <a:t>10/31/19</a:t>
+              <a:t>8/12/20</a:t>
             </a:fld>
             <a:endParaRPr lang="en-US"/>
           </a:p>
@@ -26026,81 +25819,6 @@
           <a:chExt cx="0" cy="0"/>
         </a:xfrm>
       </p:grpSpPr>
-      <p:sp>
-        <p:nvSpPr>
-          <p:cNvPr id="2" name="Content Placeholder 1">
-            <a:extLst>
-              <a:ext uri="{FF2B5EF4-FFF2-40B4-BE49-F238E27FC236}">
-                <a16:creationId xmlns:a16="http://schemas.microsoft.com/office/drawing/2014/main" id="{A72F9A9C-FE67-9C47-AF56-5185D816A184}"/>
-              </a:ext>
-            </a:extLst>
-          </p:cNvPr>
-          <p:cNvSpPr>
-            <a:spLocks noGrp="1"/>
-          </p:cNvSpPr>
-          <p:nvPr>
-            <p:ph sz="half" idx="1"/>
-          </p:nvPr>
-        </p:nvSpPr>
-        <p:spPr/>
-        <p:txBody>
-          <a:bodyPr/>
-          <a:lstStyle/>
-          <a:p>
-            <a:endParaRPr lang="en-US"/>
-          </a:p>
-        </p:txBody>
-      </p:sp>
-      <p:sp>
-        <p:nvSpPr>
-          <p:cNvPr id="3" name="Content Placeholder 2">
-            <a:extLst>
-              <a:ext uri="{FF2B5EF4-FFF2-40B4-BE49-F238E27FC236}">
-                <a16:creationId xmlns:a16="http://schemas.microsoft.com/office/drawing/2014/main" id="{7BA0B18A-32D5-124E-B79A-A4AA41230B59}"/>
-              </a:ext>
-            </a:extLst>
-          </p:cNvPr>
-          <p:cNvSpPr>
-            <a:spLocks noGrp="1"/>
-          </p:cNvSpPr>
-          <p:nvPr>
-            <p:ph sz="half" idx="10"/>
-          </p:nvPr>
-        </p:nvSpPr>
-        <p:spPr/>
-        <p:txBody>
-          <a:bodyPr/>
-          <a:lstStyle/>
-          <a:p>
-            <a:endParaRPr lang="en-US"/>
-          </a:p>
-        </p:txBody>
-      </p:sp>
-      <p:sp>
-        <p:nvSpPr>
-          <p:cNvPr id="4" name="Content Placeholder 3">
-            <a:extLst>
-              <a:ext uri="{FF2B5EF4-FFF2-40B4-BE49-F238E27FC236}">
-                <a16:creationId xmlns:a16="http://schemas.microsoft.com/office/drawing/2014/main" id="{E622A643-824C-1342-9A57-B6D38181E939}"/>
-              </a:ext>
-            </a:extLst>
-          </p:cNvPr>
-          <p:cNvSpPr>
-            <a:spLocks noGrp="1"/>
-          </p:cNvSpPr>
-          <p:nvPr>
-            <p:ph sz="half" idx="11"/>
-          </p:nvPr>
-        </p:nvSpPr>
-        <p:spPr/>
-        <p:txBody>
-          <a:bodyPr/>
-          <a:lstStyle/>
-          <a:p>
-            <a:endParaRPr lang="en-US"/>
-          </a:p>
-        </p:txBody>
-      </p:sp>
     </p:spTree>
     <p:extLst>
       <p:ext uri="{BB962C8B-B14F-4D97-AF65-F5344CB8AC3E}">
